--- a/Tue-Thr/DS-Day-15 R.pptx
+++ b/Tue-Thr/DS-Day-15 R.pptx
@@ -200,7 +200,7 @@
           <a:p>
             <a:fld id="{22783AA6-C1EF-448D-A48A-EF30DCBEFCCC}" type="datetimeFigureOut">
               <a:rPr lang="en-US" smtClean="0"/>
-              <a:t>11/2/2018</a:t>
+              <a:t>11/13/2018</a:t>
             </a:fld>
             <a:endParaRPr lang="en-US"/>
           </a:p>
@@ -1018,7 +1018,7 @@
           <a:p>
             <a:fld id="{C14F4D0B-68E4-4C14-BD4D-319F9BD213A3}" type="datetimeFigureOut">
               <a:rPr lang="ru-RU" smtClean="0"/>
-              <a:t>02.11.2018</a:t>
+              <a:t>13.11.2018</a:t>
             </a:fld>
             <a:endParaRPr lang="ru-RU"/>
           </a:p>
@@ -1188,7 +1188,7 @@
           <a:p>
             <a:fld id="{C14F4D0B-68E4-4C14-BD4D-319F9BD213A3}" type="datetimeFigureOut">
               <a:rPr lang="ru-RU" smtClean="0"/>
-              <a:t>02.11.2018</a:t>
+              <a:t>13.11.2018</a:t>
             </a:fld>
             <a:endParaRPr lang="ru-RU"/>
           </a:p>
@@ -1368,7 +1368,7 @@
           <a:p>
             <a:fld id="{C14F4D0B-68E4-4C14-BD4D-319F9BD213A3}" type="datetimeFigureOut">
               <a:rPr lang="ru-RU" smtClean="0"/>
-              <a:t>02.11.2018</a:t>
+              <a:t>13.11.2018</a:t>
             </a:fld>
             <a:endParaRPr lang="ru-RU"/>
           </a:p>
@@ -1538,7 +1538,7 @@
           <a:p>
             <a:fld id="{C14F4D0B-68E4-4C14-BD4D-319F9BD213A3}" type="datetimeFigureOut">
               <a:rPr lang="ru-RU" smtClean="0"/>
-              <a:t>02.11.2018</a:t>
+              <a:t>13.11.2018</a:t>
             </a:fld>
             <a:endParaRPr lang="ru-RU"/>
           </a:p>
@@ -1789,7 +1789,7 @@
           <a:p>
             <a:fld id="{C14F4D0B-68E4-4C14-BD4D-319F9BD213A3}" type="datetimeFigureOut">
               <a:rPr lang="ru-RU" smtClean="0"/>
-              <a:t>02.11.2018</a:t>
+              <a:t>13.11.2018</a:t>
             </a:fld>
             <a:endParaRPr lang="ru-RU"/>
           </a:p>
@@ -2021,7 +2021,7 @@
           <a:p>
             <a:fld id="{C14F4D0B-68E4-4C14-BD4D-319F9BD213A3}" type="datetimeFigureOut">
               <a:rPr lang="ru-RU" smtClean="0"/>
-              <a:t>02.11.2018</a:t>
+              <a:t>13.11.2018</a:t>
             </a:fld>
             <a:endParaRPr lang="ru-RU"/>
           </a:p>
@@ -2368,7 +2368,7 @@
           <a:p>
             <a:fld id="{C14F4D0B-68E4-4C14-BD4D-319F9BD213A3}" type="datetimeFigureOut">
               <a:rPr lang="ru-RU" smtClean="0"/>
-              <a:t>02.11.2018</a:t>
+              <a:t>13.11.2018</a:t>
             </a:fld>
             <a:endParaRPr lang="ru-RU"/>
           </a:p>
@@ -2486,7 +2486,7 @@
           <a:p>
             <a:fld id="{C14F4D0B-68E4-4C14-BD4D-319F9BD213A3}" type="datetimeFigureOut">
               <a:rPr lang="ru-RU" smtClean="0"/>
-              <a:t>02.11.2018</a:t>
+              <a:t>13.11.2018</a:t>
             </a:fld>
             <a:endParaRPr lang="ru-RU"/>
           </a:p>
@@ -2604,7 +2604,7 @@
           <a:p>
             <a:fld id="{C14F4D0B-68E4-4C14-BD4D-319F9BD213A3}" type="datetimeFigureOut">
               <a:rPr lang="ru-RU" smtClean="0"/>
-              <a:t>02.11.2018</a:t>
+              <a:t>13.11.2018</a:t>
             </a:fld>
             <a:endParaRPr lang="ru-RU"/>
           </a:p>
@@ -2888,7 +2888,7 @@
           <a:p>
             <a:fld id="{C14F4D0B-68E4-4C14-BD4D-319F9BD213A3}" type="datetimeFigureOut">
               <a:rPr lang="ru-RU" smtClean="0"/>
-              <a:t>02.11.2018</a:t>
+              <a:t>13.11.2018</a:t>
             </a:fld>
             <a:endParaRPr lang="ru-RU"/>
           </a:p>
@@ -3152,7 +3152,7 @@
           <a:p>
             <a:fld id="{C14F4D0B-68E4-4C14-BD4D-319F9BD213A3}" type="datetimeFigureOut">
               <a:rPr lang="ru-RU" smtClean="0"/>
-              <a:t>02.11.2018</a:t>
+              <a:t>13.11.2018</a:t>
             </a:fld>
             <a:endParaRPr lang="ru-RU"/>
           </a:p>
@@ -3366,7 +3366,7 @@
           <a:p>
             <a:fld id="{C14F4D0B-68E4-4C14-BD4D-319F9BD213A3}" type="datetimeFigureOut">
               <a:rPr lang="ru-RU" smtClean="0"/>
-              <a:t>02.11.2018</a:t>
+              <a:t>13.11.2018</a:t>
             </a:fld>
             <a:endParaRPr lang="ru-RU"/>
           </a:p>
@@ -4340,17 +4340,7 @@
                 <a:latin typeface="Arial" pitchFamily="34" charset="0"/>
                 <a:cs typeface="Arial" pitchFamily="34" charset="0"/>
               </a:rPr>
-              <a:t>Задание </a:t>
-            </a:r>
-            <a:r>
-              <a:rPr lang="ru-RU" sz="3600" b="1" dirty="0" smtClean="0">
-                <a:solidFill>
-                  <a:srgbClr val="0064B5"/>
-                </a:solidFill>
-                <a:latin typeface="Arial" pitchFamily="34" charset="0"/>
-                <a:cs typeface="Arial" pitchFamily="34" charset="0"/>
-              </a:rPr>
-              <a:t>1</a:t>
+              <a:t>Задание 1</a:t>
             </a:r>
             <a:endParaRPr lang="ru-RU" sz="3600" b="1" dirty="0">
               <a:solidFill>
@@ -5079,17 +5069,7 @@
                 <a:latin typeface="Arial" pitchFamily="34" charset="0"/>
                 <a:cs typeface="Arial" pitchFamily="34" charset="0"/>
               </a:rPr>
-              <a:t>Задание </a:t>
-            </a:r>
-            <a:r>
-              <a:rPr lang="ru-RU" sz="3600" b="1" smtClean="0">
-                <a:solidFill>
-                  <a:srgbClr val="0064B5"/>
-                </a:solidFill>
-                <a:latin typeface="Arial" pitchFamily="34" charset="0"/>
-                <a:cs typeface="Arial" pitchFamily="34" charset="0"/>
-              </a:rPr>
-              <a:t>2</a:t>
+              <a:t>Задание 2</a:t>
             </a:r>
             <a:endParaRPr lang="ru-RU" sz="3600" b="1" dirty="0">
               <a:solidFill>
@@ -5110,7 +5090,7 @@
         <p:spPr>
           <a:xfrm>
             <a:off x="174140" y="922063"/>
-            <a:ext cx="8649820" cy="5262979"/>
+            <a:ext cx="8649820" cy="5016758"/>
           </a:xfrm>
           <a:prstGeom prst="rect">
             <a:avLst/>
@@ -5126,15 +5106,15 @@
               <a:buAutoNum type="arabicPeriod"/>
             </a:pPr>
             <a:r>
-              <a:rPr lang="ru-RU" sz="2400" dirty="0" smtClean="0"/>
+              <a:rPr lang="ru-RU" sz="2000" dirty="0" smtClean="0"/>
               <a:t>Загрузить </a:t>
             </a:r>
             <a:r>
-              <a:rPr lang="en-US" sz="2400" dirty="0" smtClean="0"/>
+              <a:rPr lang="en-US" sz="2000" dirty="0" smtClean="0"/>
               <a:t>shape-</a:t>
             </a:r>
             <a:r>
-              <a:rPr lang="ru-RU" sz="2400" dirty="0" smtClean="0"/>
+              <a:rPr lang="ru-RU" sz="2000" dirty="0" smtClean="0"/>
               <a:t>файл с областями Украины.</a:t>
             </a:r>
           </a:p>
@@ -5143,7 +5123,7 @@
               <a:buAutoNum type="arabicPeriod"/>
             </a:pPr>
             <a:r>
-              <a:rPr lang="ru-RU" sz="2400" dirty="0" smtClean="0"/>
+              <a:rPr lang="ru-RU" sz="2000" dirty="0" smtClean="0"/>
               <a:t>Построить картограммы для Дохода населения на 1 особу и Валовому региональному продукту (ВРП) по регионам за 2016 год.</a:t>
             </a:r>
           </a:p>
@@ -5152,88 +5132,110 @@
               <a:buAutoNum type="arabicPeriod"/>
             </a:pPr>
             <a:r>
-              <a:rPr lang="ru-RU" sz="2400" dirty="0" smtClean="0"/>
-              <a:t>По данным за 2006-2015 года для каждого региона рассчитать коэффициент корреляции между Доходом </a:t>
-            </a:r>
-            <a:r>
-              <a:rPr lang="ru-RU" sz="2400" dirty="0"/>
-              <a:t>населения на 1 особу и </a:t>
-            </a:r>
-            <a:r>
-              <a:rPr lang="ru-RU" sz="2400" dirty="0" smtClean="0"/>
-              <a:t>ВРП. Отобразить на картограмме.</a:t>
-            </a:r>
-          </a:p>
-          <a:p>
-            <a:r>
-              <a:rPr lang="ru-RU" sz="2400" dirty="0" smtClean="0"/>
-              <a:t>Используя функции </a:t>
-            </a:r>
-            <a:r>
-              <a:rPr lang="en-US" sz="2400" dirty="0" smtClean="0"/>
-              <a:t>apply, </a:t>
-            </a:r>
-            <a:r>
-              <a:rPr lang="en-US" sz="2400" dirty="0" err="1" smtClean="0"/>
-              <a:t>sapply</a:t>
-            </a:r>
-            <a:r>
-              <a:rPr lang="en-US" sz="2400" dirty="0" smtClean="0"/>
-              <a:t> </a:t>
-            </a:r>
-            <a:r>
-              <a:rPr lang="ru-RU" sz="2400" dirty="0" smtClean="0"/>
-              <a:t>или </a:t>
-            </a:r>
-            <a:r>
-              <a:rPr lang="en-US" sz="2400" dirty="0" err="1" smtClean="0"/>
-              <a:t>lapply</a:t>
-            </a:r>
-            <a:endParaRPr lang="ru-RU" sz="2400" dirty="0" smtClean="0"/>
+              <a:rPr lang="ru-RU" sz="2000" dirty="0" smtClean="0"/>
+              <a:t>Побить регионы на кластеры (определить оптимальное количество) и отобразить на картограмме.</a:t>
+            </a:r>
           </a:p>
           <a:p>
             <a:pPr marL="457200" indent="-457200">
               <a:buAutoNum type="arabicPeriod"/>
             </a:pPr>
             <a:r>
-              <a:rPr lang="ru-RU" sz="2400" dirty="0" smtClean="0"/>
-              <a:t>Посчитать в каждом году количество регионов, у которых зарплата выше средней по Украине за этот год.</a:t>
-            </a:r>
+              <a:rPr lang="ru-RU" sz="2000" dirty="0" smtClean="0"/>
+              <a:t>По данным за 2006-2015 года для каждого региона рассчитать коэффициент корреляции между Доходом </a:t>
+            </a:r>
+            <a:r>
+              <a:rPr lang="ru-RU" sz="2000" dirty="0"/>
+              <a:t>населения на 1 особу и </a:t>
+            </a:r>
+            <a:r>
+              <a:rPr lang="ru-RU" sz="2000" dirty="0" smtClean="0"/>
+              <a:t>ВРП. Отобразить на картограмме.</a:t>
+            </a:r>
+          </a:p>
+          <a:p>
+            <a:r>
+              <a:rPr lang="ru-RU" sz="2000" dirty="0"/>
+              <a:t>5. Используя данные </a:t>
+            </a:r>
+            <a:r>
+              <a:rPr lang="en-US" sz="2000" dirty="0">
+                <a:hlinkClick r:id="rId3"/>
+              </a:rPr>
+              <a:t>https://www.kaggle.com/martj42/international-football-results-from-1872-to-2017/data</a:t>
+            </a:r>
+            <a:r>
+              <a:rPr lang="ru-RU" sz="2000" dirty="0"/>
+              <a:t> построить карту стран мира, в которых страны будут закрашены согласно количеству побед. Учитывать данные с 1995 года. </a:t>
+            </a:r>
+            <a:endParaRPr lang="ru-RU" sz="2000" dirty="0" smtClean="0"/>
+          </a:p>
+          <a:p>
+            <a:r>
+              <a:rPr lang="ru-RU" sz="2000" dirty="0" smtClean="0"/>
+              <a:t>Используя </a:t>
+            </a:r>
+            <a:r>
+              <a:rPr lang="ru-RU" sz="2000" dirty="0" smtClean="0"/>
+              <a:t>функции </a:t>
+            </a:r>
+            <a:r>
+              <a:rPr lang="en-US" sz="2000" dirty="0" smtClean="0"/>
+              <a:t>apply, </a:t>
+            </a:r>
+            <a:r>
+              <a:rPr lang="en-US" sz="2000" dirty="0" err="1" smtClean="0"/>
+              <a:t>sapply</a:t>
+            </a:r>
+            <a:r>
+              <a:rPr lang="en-US" sz="2000" dirty="0" smtClean="0"/>
+              <a:t> </a:t>
+            </a:r>
+            <a:r>
+              <a:rPr lang="ru-RU" sz="2000" dirty="0" smtClean="0"/>
+              <a:t>или </a:t>
+            </a:r>
+            <a:r>
+              <a:rPr lang="en-US" sz="2000" dirty="0" err="1" smtClean="0"/>
+              <a:t>lapply</a:t>
+            </a:r>
+            <a:endParaRPr lang="ru-RU" sz="2000" dirty="0" smtClean="0"/>
           </a:p>
           <a:p>
             <a:pPr marL="457200" indent="-457200">
               <a:buAutoNum type="arabicPeriod"/>
             </a:pPr>
             <a:r>
-              <a:rPr lang="ru-RU" sz="2400" dirty="0" smtClean="0"/>
-              <a:t>Построить графики ВРП для всех регионов Украины.</a:t>
+              <a:rPr lang="ru-RU" sz="2000" dirty="0" smtClean="0"/>
+              <a:t>Посчитать в каждом году количество регионов, у которых зарплата выше средней по Украине за этот год.</a:t>
             </a:r>
           </a:p>
           <a:p>
             <a:pPr marL="457200" indent="-457200">
               <a:buAutoNum type="arabicPeriod"/>
             </a:pPr>
-            <a:endParaRPr lang="ru-RU" sz="2400" dirty="0" smtClean="0"/>
-          </a:p>
-          <a:p>
-            <a:endParaRPr lang="ru-RU" sz="2400" dirty="0"/>
-          </a:p>
-          <a:p>
-            <a:r>
-              <a:rPr lang="ru-RU" sz="2400" dirty="0" err="1" smtClean="0"/>
+            <a:r>
+              <a:rPr lang="ru-RU" sz="2000" dirty="0" smtClean="0"/>
+              <a:t>Построить графики ВРП для всех регионов Украины.</a:t>
+            </a:r>
+            <a:endParaRPr lang="ru-RU" sz="2000" dirty="0"/>
+          </a:p>
+          <a:p>
+            <a:r>
+              <a:rPr lang="ru-RU" sz="2000" dirty="0" err="1" smtClean="0"/>
               <a:t>П.с</a:t>
             </a:r>
             <a:r>
-              <a:rPr lang="ru-RU" sz="2400" dirty="0" smtClean="0"/>
+              <a:rPr lang="ru-RU" sz="2000" dirty="0" smtClean="0"/>
               <a:t>. Данные найти в интернете. </a:t>
             </a:r>
             <a:r>
-              <a:rPr lang="ru-RU" sz="2400" dirty="0" smtClean="0">
+              <a:rPr lang="ru-RU" sz="2000" dirty="0" smtClean="0">
                 <a:sym typeface="Wingdings" panose="05000000000000000000" pitchFamily="2" charset="2"/>
               </a:rPr>
               <a:t></a:t>
             </a:r>
-            <a:endParaRPr lang="ru-RU" sz="2400" dirty="0"/>
+            <a:endParaRPr lang="ru-RU" sz="2000" dirty="0"/>
           </a:p>
         </p:txBody>
       </p:sp>
